--- a/ml/patient_health_prediction (1).pptx
+++ b/ml/patient_health_prediction (1).pptx
@@ -10158,7 +10158,7 @@
                 <a:spcPts val="2559"/>
               </a:lnSpc>
             </a:pPr>
-            <a:endParaRPr/>
+            <a:endParaRPr dirty="0"/>
           </a:p>
           <a:p>
             <a:pPr marL="274545" lvl="1" indent="-137273" algn="l">
@@ -10169,7 +10169,7 @@
               <a:buChar char="•"/>
             </a:pPr>
             <a:r>
-              <a:rPr lang="en-US" sz="2133">
+              <a:rPr lang="en-US" sz="2133" dirty="0">
                 <a:solidFill>
                   <a:srgbClr val="1848A0"/>
                 </a:solidFill>
@@ -10190,7 +10190,7 @@
               <a:buChar char="⚬"/>
             </a:pPr>
             <a:r>
-              <a:rPr lang="en-US" sz="1920">
+              <a:rPr lang="en-US" sz="1920" dirty="0">
                 <a:solidFill>
                   <a:srgbClr val="1848A0"/>
                 </a:solidFill>
@@ -10211,7 +10211,7 @@
               <a:buChar char="⚬"/>
             </a:pPr>
             <a:r>
-              <a:rPr lang="en-US" sz="1920">
+              <a:rPr lang="en-US" sz="1920" dirty="0">
                 <a:solidFill>
                   <a:srgbClr val="1848A0"/>
                 </a:solidFill>
@@ -10232,7 +10232,7 @@
               <a:buChar char="⚬"/>
             </a:pPr>
             <a:r>
-              <a:rPr lang="en-US" sz="1920">
+              <a:rPr lang="en-US" sz="1920" dirty="0">
                 <a:solidFill>
                   <a:srgbClr val="1848A0"/>
                 </a:solidFill>
@@ -10253,7 +10253,7 @@
               <a:buChar char="⚬"/>
             </a:pPr>
             <a:r>
-              <a:rPr lang="en-US" sz="1920">
+              <a:rPr lang="en-US" sz="1920" dirty="0">
                 <a:solidFill>
                   <a:srgbClr val="1848A0"/>
                 </a:solidFill>
@@ -10274,7 +10274,7 @@
               <a:buChar char="•"/>
             </a:pPr>
             <a:r>
-              <a:rPr lang="en-US" sz="2133">
+              <a:rPr lang="en-US" sz="2133" dirty="0">
                 <a:solidFill>
                   <a:srgbClr val="1848A0"/>
                 </a:solidFill>
@@ -10295,7 +10295,7 @@
               <a:buChar char="⚬"/>
             </a:pPr>
             <a:r>
-              <a:rPr lang="en-US" sz="1920">
+              <a:rPr lang="en-US" sz="1920" dirty="0">
                 <a:solidFill>
                   <a:srgbClr val="1848A0"/>
                 </a:solidFill>
@@ -10316,7 +10316,7 @@
               <a:buChar char="⚬"/>
             </a:pPr>
             <a:r>
-              <a:rPr lang="en-US" sz="1920">
+              <a:rPr lang="en-US" sz="1920" dirty="0">
                 <a:solidFill>
                   <a:srgbClr val="1848A0"/>
                 </a:solidFill>
@@ -10329,27 +10329,6 @@
             </a:r>
           </a:p>
           <a:p>
-            <a:pPr marL="734771" lvl="2" indent="-244924" algn="l">
-              <a:lnSpc>
-                <a:spcPts val="2304"/>
-              </a:lnSpc>
-              <a:buFont typeface="Arial"/>
-              <a:buChar char="⚬"/>
-            </a:pPr>
-            <a:r>
-              <a:rPr lang="en-US" sz="1920">
-                <a:solidFill>
-                  <a:srgbClr val="1848A0"/>
-                </a:solidFill>
-                <a:latin typeface="Muli"/>
-                <a:ea typeface="Muli"/>
-                <a:cs typeface="Muli"/>
-                <a:sym typeface="Muli"/>
-              </a:rPr>
-              <a:t>- SQLite database for data persistence</a:t>
-            </a:r>
-          </a:p>
-          <a:p>
             <a:pPr marL="274545" lvl="1" indent="-137273" algn="l">
               <a:lnSpc>
                 <a:spcPts val="2559"/>
@@ -10358,7 +10337,7 @@
               <a:buChar char="•"/>
             </a:pPr>
             <a:r>
-              <a:rPr lang="en-US" sz="2133">
+              <a:rPr lang="en-US" sz="2133" dirty="0">
                 <a:solidFill>
                   <a:srgbClr val="1848A0"/>
                 </a:solidFill>
@@ -10379,7 +10358,7 @@
               <a:buChar char="⚬"/>
             </a:pPr>
             <a:r>
-              <a:rPr lang="en-US" sz="1920">
+              <a:rPr lang="en-US" sz="1920" dirty="0">
                 <a:solidFill>
                   <a:srgbClr val="1848A0"/>
                 </a:solidFill>
@@ -10400,7 +10379,7 @@
               <a:buChar char="⚬"/>
             </a:pPr>
             <a:r>
-              <a:rPr lang="en-US" sz="1920">
+              <a:rPr lang="en-US" sz="1920" dirty="0">
                 <a:solidFill>
                   <a:srgbClr val="1848A0"/>
                 </a:solidFill>
@@ -10421,28 +10400,52 @@
               <a:buChar char="⚬"/>
             </a:pPr>
             <a:r>
-              <a:rPr lang="en-US" sz="1920">
-                <a:solidFill>
-                  <a:srgbClr val="1848A0"/>
-                </a:solidFill>
-                <a:latin typeface="Muli"/>
-                <a:ea typeface="Muli"/>
-                <a:cs typeface="Muli"/>
-                <a:sym typeface="Muli"/>
-              </a:rPr>
-              <a:t>- numpy for numerical operations</a:t>
-            </a:r>
-          </a:p>
-          <a:p>
-            <a:pPr marL="734771" lvl="2" indent="-244924" algn="l">
-              <a:lnSpc>
-                <a:spcPts val="2304"/>
-              </a:lnSpc>
-              <a:buFont typeface="Arial"/>
-              <a:buChar char="⚬"/>
-            </a:pPr>
-            <a:r>
-              <a:rPr lang="en-US" sz="1920">
+              <a:rPr lang="en-US" sz="1920" dirty="0">
+                <a:solidFill>
+                  <a:srgbClr val="1848A0"/>
+                </a:solidFill>
+                <a:latin typeface="Muli"/>
+                <a:ea typeface="Muli"/>
+                <a:cs typeface="Muli"/>
+                <a:sym typeface="Muli"/>
+              </a:rPr>
+              <a:t>- </a:t>
+            </a:r>
+            <a:r>
+              <a:rPr lang="en-US" sz="1920" dirty="0" err="1">
+                <a:solidFill>
+                  <a:srgbClr val="1848A0"/>
+                </a:solidFill>
+                <a:latin typeface="Muli"/>
+                <a:ea typeface="Muli"/>
+                <a:cs typeface="Muli"/>
+                <a:sym typeface="Muli"/>
+              </a:rPr>
+              <a:t>numpy</a:t>
+            </a:r>
+            <a:r>
+              <a:rPr lang="en-US" sz="1920" dirty="0">
+                <a:solidFill>
+                  <a:srgbClr val="1848A0"/>
+                </a:solidFill>
+                <a:latin typeface="Muli"/>
+                <a:ea typeface="Muli"/>
+                <a:cs typeface="Muli"/>
+                <a:sym typeface="Muli"/>
+              </a:rPr>
+              <a:t> for numerical operations</a:t>
+            </a:r>
+          </a:p>
+          <a:p>
+            <a:pPr marL="734771" lvl="2" indent="-244924" algn="l">
+              <a:lnSpc>
+                <a:spcPts val="2304"/>
+              </a:lnSpc>
+              <a:buFont typeface="Arial"/>
+              <a:buChar char="⚬"/>
+            </a:pPr>
+            <a:r>
+              <a:rPr lang="en-US" sz="1920" dirty="0">
                 <a:solidFill>
                   <a:srgbClr val="1848A0"/>
                 </a:solidFill>
